--- a/AutomacaoComScripts/Aula04-PythonCondicaoRepeticao/04-PythonCondicaoRepeticao.pptx
+++ b/AutomacaoComScripts/Aula04-PythonCondicaoRepeticao/04-PythonCondicaoRepeticao.pptx
@@ -374,7 +374,7 @@
               <a:pPr>
                 <a:defRPr/>
               </a:pPr>
-              <a:t>01/03/2017</a:t>
+              <a:t>13/02/2018</a:t>
             </a:fld>
             <a:endParaRPr lang="pt-BR"/>
           </a:p>
@@ -652,7 +652,7 @@
               <a:pPr>
                 <a:defRPr/>
               </a:pPr>
-              <a:t>01/03/2017</a:t>
+              <a:t>13/02/2018</a:t>
             </a:fld>
             <a:endParaRPr lang="pt-BR"/>
           </a:p>
@@ -844,7 +844,7 @@
               <a:pPr>
                 <a:defRPr/>
               </a:pPr>
-              <a:t>01/03/2017</a:t>
+              <a:t>13/02/2018</a:t>
             </a:fld>
             <a:endParaRPr lang="pt-BR"/>
           </a:p>
@@ -1046,7 +1046,7 @@
               <a:pPr>
                 <a:defRPr/>
               </a:pPr>
-              <a:t>01/03/2017</a:t>
+              <a:t>13/02/2018</a:t>
             </a:fld>
             <a:endParaRPr lang="pt-BR"/>
           </a:p>
@@ -1148,7 +1148,7 @@
           <a:blip r:embed="rId2" cstate="print">
             <a:extLst>
               <a:ext uri="{BEBA8EAE-BF5A-486C-A8C5-ECC9F3942E4B}">
-                <a14:imgProps xmlns:a14="http://schemas.microsoft.com/office/drawing/2010/main" xmlns="">
+                <a14:imgProps xmlns="" xmlns:a14="http://schemas.microsoft.com/office/drawing/2010/main">
                   <a14:imgLayer r:embed="rId3">
                     <a14:imgEffect>
                       <a14:saturation sat="305000"/>
@@ -1192,7 +1192,7 @@
           <a:blip r:embed="rId4" cstate="print">
             <a:extLst>
               <a:ext uri="{28A0092B-C50C-407E-A947-70E740481C1C}">
-                <a14:useLocalDpi xmlns:a14="http://schemas.microsoft.com/office/drawing/2010/main" xmlns="" val="0"/>
+                <a14:useLocalDpi xmlns="" xmlns:a14="http://schemas.microsoft.com/office/drawing/2010/main" val="0"/>
               </a:ext>
             </a:extLst>
           </a:blip>
@@ -1215,14 +1215,14 @@
           </a:ln>
           <a:extLst>
             <a:ext uri="{909E8E84-426E-40DD-AFC4-6F175D3DCCD1}">
-              <a14:hiddenFill xmlns:a14="http://schemas.microsoft.com/office/drawing/2010/main" xmlns="">
+              <a14:hiddenFill xmlns="" xmlns:a14="http://schemas.microsoft.com/office/drawing/2010/main">
                 <a:solidFill>
                   <a:srgbClr val="FFFFFF"/>
                 </a:solidFill>
               </a14:hiddenFill>
             </a:ext>
             <a:ext uri="{91240B29-F687-4F45-9708-019B960494DF}">
-              <a14:hiddenLine xmlns:a14="http://schemas.microsoft.com/office/drawing/2010/main" xmlns="" w="9525">
+              <a14:hiddenLine xmlns="" xmlns:a14="http://schemas.microsoft.com/office/drawing/2010/main" w="9525">
                 <a:solidFill>
                   <a:srgbClr val="000000"/>
                 </a:solidFill>
@@ -1440,7 +1440,7 @@
               <a:pPr>
                 <a:defRPr/>
               </a:pPr>
-              <a:t>01/03/2017</a:t>
+              <a:t>13/02/2018</a:t>
             </a:fld>
             <a:endParaRPr lang="pt-BR"/>
           </a:p>
@@ -1632,7 +1632,7 @@
               <a:pPr>
                 <a:defRPr/>
               </a:pPr>
-              <a:t>01/03/2017</a:t>
+              <a:t>13/02/2018</a:t>
             </a:fld>
             <a:endParaRPr lang="pt-BR"/>
           </a:p>
@@ -1900,7 +1900,7 @@
               <a:pPr>
                 <a:defRPr/>
               </a:pPr>
-              <a:t>01/03/2017</a:t>
+              <a:t>13/02/2018</a:t>
             </a:fld>
             <a:endParaRPr lang="pt-BR"/>
           </a:p>
@@ -2210,7 +2210,7 @@
               <a:pPr>
                 <a:defRPr/>
               </a:pPr>
-              <a:t>01/03/2017</a:t>
+              <a:t>13/02/2018</a:t>
             </a:fld>
             <a:endParaRPr lang="pt-BR"/>
           </a:p>
@@ -2654,7 +2654,7 @@
               <a:pPr>
                 <a:defRPr/>
               </a:pPr>
-              <a:t>01/03/2017</a:t>
+              <a:t>13/02/2018</a:t>
             </a:fld>
             <a:endParaRPr lang="pt-BR"/>
           </a:p>
@@ -2794,7 +2794,7 @@
               <a:pPr>
                 <a:defRPr/>
               </a:pPr>
-              <a:t>01/03/2017</a:t>
+              <a:t>13/02/2018</a:t>
             </a:fld>
             <a:endParaRPr lang="pt-BR"/>
           </a:p>
@@ -2911,7 +2911,7 @@
               <a:pPr>
                 <a:defRPr/>
               </a:pPr>
-              <a:t>01/03/2017</a:t>
+              <a:t>13/02/2018</a:t>
             </a:fld>
             <a:endParaRPr lang="pt-BR"/>
           </a:p>
@@ -3137,7 +3137,7 @@
             <a:fld id="{2E700DB3-DBF0-4086-B675-117E7A9610B8}" type="datetimeFigureOut">
               <a:rPr lang="pt-BR" smtClean="0"/>
               <a:pPr/>
-              <a:t>01/03/2017</a:t>
+              <a:t>13/02/2018</a:t>
             </a:fld>
             <a:endParaRPr lang="pt-BR"/>
           </a:p>
@@ -3516,7 +3516,7 @@
           <a:blip r:embed="rId13" cstate="print">
             <a:extLst>
               <a:ext uri="{BEBA8EAE-BF5A-486C-A8C5-ECC9F3942E4B}">
-                <a14:imgProps xmlns:a14="http://schemas.microsoft.com/office/drawing/2010/main" xmlns="">
+                <a14:imgProps xmlns="" xmlns:a14="http://schemas.microsoft.com/office/drawing/2010/main">
                   <a14:imgLayer r:embed="rId14">
                     <a14:imgEffect>
                       <a14:saturation sat="305000"/>
@@ -3703,7 +3703,7 @@
               <a:pPr>
                 <a:defRPr/>
               </a:pPr>
-              <a:t>01/03/2017</a:t>
+              <a:t>13/02/2018</a:t>
             </a:fld>
             <a:endParaRPr lang="pt-BR"/>
           </a:p>
@@ -3840,7 +3840,7 @@
           <a:blip r:embed="rId16" cstate="print">
             <a:extLst>
               <a:ext uri="{28A0092B-C50C-407E-A947-70E740481C1C}">
-                <a14:useLocalDpi xmlns:a14="http://schemas.microsoft.com/office/drawing/2010/main" xmlns="" val="0"/>
+                <a14:useLocalDpi xmlns="" xmlns:a14="http://schemas.microsoft.com/office/drawing/2010/main" val="0"/>
               </a:ext>
             </a:extLst>
           </a:blip>
@@ -3861,14 +3861,14 @@
           </a:ln>
           <a:extLst>
             <a:ext uri="{909E8E84-426E-40DD-AFC4-6F175D3DCCD1}">
-              <a14:hiddenFill xmlns:a14="http://schemas.microsoft.com/office/drawing/2010/main" xmlns="">
+              <a14:hiddenFill xmlns="" xmlns:a14="http://schemas.microsoft.com/office/drawing/2010/main">
                 <a:solidFill>
                   <a:srgbClr val="FFFFFF"/>
                 </a:solidFill>
               </a14:hiddenFill>
             </a:ext>
             <a:ext uri="{91240B29-F687-4F45-9708-019B960494DF}">
-              <a14:hiddenLine xmlns:a14="http://schemas.microsoft.com/office/drawing/2010/main" xmlns="" w="9525">
+              <a14:hiddenLine xmlns="" xmlns:a14="http://schemas.microsoft.com/office/drawing/2010/main" w="9525">
                 <a:solidFill>
                   <a:srgbClr val="000000"/>
                 </a:solidFill>
@@ -4346,7 +4346,7 @@
                 <a:latin typeface="+mn-lt"/>
                 <a:cs typeface="Arial" pitchFamily="34" charset="0"/>
               </a:rPr>
-              <a:t>09 </a:t>
+              <a:t>23 </a:t>
             </a:r>
             <a:r>
               <a:rPr lang="pt-BR" sz="2200" b="1" dirty="0">
@@ -4386,7 +4386,7 @@
                 <a:latin typeface="+mn-lt"/>
                 <a:cs typeface="Arial" pitchFamily="34" charset="0"/>
               </a:rPr>
-              <a:t>2017</a:t>
+              <a:t>2018</a:t>
             </a:r>
             <a:endParaRPr lang="pt-BR" sz="2200" b="1" dirty="0">
               <a:solidFill>
@@ -4574,23 +4574,7 @@
                   <a:schemeClr val="bg1"/>
                 </a:solidFill>
               </a:rPr>
-              <a:t>Python </a:t>
-            </a:r>
-            <a:r>
-              <a:rPr lang="pt-BR" altLang="pt-BR" sz="2400" b="1" dirty="0" smtClean="0">
-                <a:solidFill>
-                  <a:schemeClr val="bg1"/>
-                </a:solidFill>
-              </a:rPr>
-              <a:t>- Estruturas </a:t>
-            </a:r>
-            <a:r>
-              <a:rPr lang="pt-BR" altLang="pt-BR" sz="2400" b="1" dirty="0" smtClean="0">
-                <a:solidFill>
-                  <a:schemeClr val="bg1"/>
-                </a:solidFill>
-              </a:rPr>
-              <a:t>de Condição e Repetição</a:t>
+              <a:t>Python - Estruturas de Condição e Repetição</a:t>
             </a:r>
             <a:endParaRPr lang="pt-BR" altLang="pt-BR" sz="2800" b="1" dirty="0" smtClean="0">
               <a:solidFill>
@@ -4625,7 +4609,7 @@
           <a:blip r:embed="rId2" cstate="print">
             <a:extLst>
               <a:ext uri="{28A0092B-C50C-407E-A947-70E740481C1C}">
-                <a14:useLocalDpi xmlns:a14="http://schemas.microsoft.com/office/drawing/2010/main" xmlns="" val="0"/>
+                <a14:useLocalDpi xmlns="" xmlns:a14="http://schemas.microsoft.com/office/drawing/2010/main" val="0"/>
               </a:ext>
             </a:extLst>
           </a:blip>
@@ -4722,11 +4706,7 @@
           <a:p>
             <a:r>
               <a:rPr lang="pt-BR" sz="2000" dirty="0" smtClean="0"/>
-              <a:t>Como </a:t>
-            </a:r>
-            <a:r>
-              <a:rPr lang="pt-BR" sz="2000" dirty="0" smtClean="0"/>
-              <a:t>pensar como um Cientista da Computação</a:t>
+              <a:t>Como pensar como um Cientista da Computação</a:t>
             </a:r>
           </a:p>
           <a:p>
@@ -4876,14 +4856,19 @@
                 <a:latin typeface="Courier New" pitchFamily="49" charset="0"/>
                 <a:cs typeface="Courier New" pitchFamily="49" charset="0"/>
               </a:rPr>
-              <a:t>	</a:t>
-            </a:r>
+              <a:t>	&lt;comando 1&gt;</a:t>
+            </a:r>
+          </a:p>
+          <a:p>
+            <a:pPr lvl="1">
+              <a:buNone/>
+            </a:pPr>
             <a:r>
               <a:rPr lang="pt-BR" sz="2400" b="1" dirty="0" smtClean="0">
                 <a:latin typeface="Courier New" pitchFamily="49" charset="0"/>
                 <a:cs typeface="Courier New" pitchFamily="49" charset="0"/>
               </a:rPr>
-              <a:t>&lt;comando 1&gt;</a:t>
+              <a:t>	&lt;comando 2&gt;</a:t>
             </a:r>
           </a:p>
           <a:p>
@@ -4895,14 +4880,19 @@
                 <a:latin typeface="Courier New" pitchFamily="49" charset="0"/>
                 <a:cs typeface="Courier New" pitchFamily="49" charset="0"/>
               </a:rPr>
-              <a:t>	&lt;comando </a:t>
-            </a:r>
+              <a:t>else:</a:t>
+            </a:r>
+          </a:p>
+          <a:p>
+            <a:pPr lvl="1">
+              <a:buNone/>
+            </a:pPr>
             <a:r>
               <a:rPr lang="pt-BR" sz="2400" b="1" dirty="0" smtClean="0">
                 <a:latin typeface="Courier New" pitchFamily="49" charset="0"/>
                 <a:cs typeface="Courier New" pitchFamily="49" charset="0"/>
               </a:rPr>
-              <a:t>2&gt;</a:t>
+              <a:t>	&lt;comandos&gt;</a:t>
             </a:r>
           </a:p>
           <a:p>
@@ -4914,57 +4904,8 @@
                 <a:latin typeface="Courier New" pitchFamily="49" charset="0"/>
                 <a:cs typeface="Courier New" pitchFamily="49" charset="0"/>
               </a:rPr>
-              <a:t>e</a:t>
-            </a:r>
-            <a:r>
-              <a:rPr lang="pt-BR" sz="2400" b="1" dirty="0" smtClean="0">
-                <a:latin typeface="Courier New" pitchFamily="49" charset="0"/>
-                <a:cs typeface="Courier New" pitchFamily="49" charset="0"/>
-              </a:rPr>
-              <a:t>lse:</a:t>
-            </a:r>
-          </a:p>
-          <a:p>
-            <a:pPr lvl="1">
-              <a:buNone/>
-            </a:pPr>
-            <a:r>
-              <a:rPr lang="pt-BR" sz="2400" b="1" dirty="0" smtClean="0">
-                <a:latin typeface="Courier New" pitchFamily="49" charset="0"/>
-                <a:cs typeface="Courier New" pitchFamily="49" charset="0"/>
-              </a:rPr>
-              <a:t>	&lt;</a:t>
-            </a:r>
-            <a:r>
-              <a:rPr lang="pt-BR" sz="2400" b="1" dirty="0" smtClean="0">
-                <a:latin typeface="Courier New" pitchFamily="49" charset="0"/>
-                <a:cs typeface="Courier New" pitchFamily="49" charset="0"/>
-              </a:rPr>
-              <a:t>comandos&gt;</a:t>
-            </a:r>
-          </a:p>
-          <a:p>
-            <a:pPr lvl="1">
-              <a:buNone/>
-            </a:pPr>
-            <a:r>
-              <a:rPr lang="pt-BR" sz="2400" b="1" dirty="0" smtClean="0">
-                <a:latin typeface="Courier New" pitchFamily="49" charset="0"/>
-                <a:cs typeface="Courier New" pitchFamily="49" charset="0"/>
-              </a:rPr>
-              <a:t>&lt;</a:t>
-            </a:r>
-            <a:r>
-              <a:rPr lang="pt-BR" sz="2400" b="1" dirty="0" smtClean="0">
-                <a:latin typeface="Courier New" pitchFamily="49" charset="0"/>
-                <a:cs typeface="Courier New" pitchFamily="49" charset="0"/>
-              </a:rPr>
-              <a:t>comandos independentes de if/else&gt;</a:t>
-            </a:r>
-            <a:endParaRPr lang="pt-BR" sz="2400" b="1" dirty="0" smtClean="0">
-              <a:latin typeface="Courier New" pitchFamily="49" charset="0"/>
-              <a:cs typeface="Courier New" pitchFamily="49" charset="0"/>
-            </a:endParaRPr>
+              <a:t>&lt;comandos independentes de if/else&gt;</a:t>
+            </a:r>
           </a:p>
           <a:p>
             <a:pPr lvl="1">
@@ -5154,67 +5095,25 @@
                 <a:latin typeface="Courier New" pitchFamily="49" charset="0"/>
                 <a:cs typeface="Courier New" pitchFamily="49" charset="0"/>
               </a:rPr>
-              <a:t>inteirostr = input</a:t>
-            </a:r>
+              <a:t>inteirostr = input("Digite um número inteiro: ")</a:t>
+            </a:r>
+          </a:p>
+          <a:p>
             <a:r>
               <a:rPr lang="pt-BR" sz="2400" b="1" dirty="0" smtClean="0">
                 <a:latin typeface="Courier New" pitchFamily="49" charset="0"/>
                 <a:cs typeface="Courier New" pitchFamily="49" charset="0"/>
               </a:rPr>
-              <a:t>("Digite um número inteiro: </a:t>
-            </a:r>
+              <a:t>inteiro = int(inteirostr)</a:t>
+            </a:r>
+          </a:p>
+          <a:p>
             <a:r>
               <a:rPr lang="pt-BR" sz="2400" b="1" dirty="0" smtClean="0">
                 <a:latin typeface="Courier New" pitchFamily="49" charset="0"/>
                 <a:cs typeface="Courier New" pitchFamily="49" charset="0"/>
               </a:rPr>
-              <a:t>")</a:t>
-            </a:r>
-          </a:p>
-          <a:p>
-            <a:r>
-              <a:rPr lang="pt-BR" sz="2400" b="1" dirty="0" smtClean="0">
-                <a:latin typeface="Courier New" pitchFamily="49" charset="0"/>
-                <a:cs typeface="Courier New" pitchFamily="49" charset="0"/>
-              </a:rPr>
-              <a:t>inteiro = int(inteirostr</a:t>
-            </a:r>
-            <a:r>
-              <a:rPr lang="pt-BR" sz="2400" b="1" dirty="0" smtClean="0">
-                <a:latin typeface="Courier New" pitchFamily="49" charset="0"/>
-                <a:cs typeface="Courier New" pitchFamily="49" charset="0"/>
-              </a:rPr>
-              <a:t>)</a:t>
-            </a:r>
-          </a:p>
-          <a:p>
-            <a:r>
-              <a:rPr lang="pt-BR" sz="2400" b="1" dirty="0" smtClean="0">
-                <a:latin typeface="Courier New" pitchFamily="49" charset="0"/>
-                <a:cs typeface="Courier New" pitchFamily="49" charset="0"/>
-              </a:rPr>
-              <a:t>i</a:t>
-            </a:r>
-            <a:r>
-              <a:rPr lang="pt-BR" sz="2400" b="1" dirty="0" smtClean="0">
-                <a:latin typeface="Courier New" pitchFamily="49" charset="0"/>
-                <a:cs typeface="Courier New" pitchFamily="49" charset="0"/>
-              </a:rPr>
-              <a:t>f (</a:t>
-            </a:r>
-            <a:r>
-              <a:rPr lang="pt-BR" sz="2400" b="1" dirty="0" smtClean="0">
-                <a:latin typeface="Courier New" pitchFamily="49" charset="0"/>
-                <a:cs typeface="Courier New" pitchFamily="49" charset="0"/>
-              </a:rPr>
-              <a:t>inteiro &gt;=0 </a:t>
-            </a:r>
-            <a:r>
-              <a:rPr lang="pt-BR" sz="2400" b="1" dirty="0" smtClean="0">
-                <a:latin typeface="Courier New" pitchFamily="49" charset="0"/>
-                <a:cs typeface="Courier New" pitchFamily="49" charset="0"/>
-              </a:rPr>
-              <a:t> </a:t>
+              <a:t>if (inteiro &gt;=0  </a:t>
             </a:r>
             <a:r>
               <a:rPr lang="pt-BR" sz="2400" b="1" dirty="0" smtClean="0">
@@ -5240,14 +5139,7 @@
                 <a:latin typeface="Courier New" pitchFamily="49" charset="0"/>
                 <a:cs typeface="Courier New" pitchFamily="49" charset="0"/>
               </a:rPr>
-              <a:t>	</a:t>
-            </a:r>
-            <a:r>
-              <a:rPr lang="pt-BR" sz="2400" b="1" dirty="0" smtClean="0">
-                <a:latin typeface="Courier New" pitchFamily="49" charset="0"/>
-                <a:cs typeface="Courier New" pitchFamily="49" charset="0"/>
-              </a:rPr>
-              <a:t>print (“Está entre 0 e 10”)</a:t>
+              <a:t>	print (“Está entre 0 e 10”)</a:t>
             </a:r>
           </a:p>
           <a:p>
@@ -5265,28 +5157,7 @@
                 <a:latin typeface="Courier New" pitchFamily="49" charset="0"/>
                 <a:cs typeface="Courier New" pitchFamily="49" charset="0"/>
               </a:rPr>
-              <a:t>	print </a:t>
-            </a:r>
-            <a:r>
-              <a:rPr lang="pt-BR" sz="2400" b="1" dirty="0" smtClean="0">
-                <a:latin typeface="Courier New" pitchFamily="49" charset="0"/>
-                <a:cs typeface="Courier New" pitchFamily="49" charset="0"/>
-              </a:rPr>
-              <a:t>(“Não está </a:t>
-            </a:r>
-            <a:r>
-              <a:rPr lang="pt-BR" sz="2400" b="1" dirty="0" smtClean="0">
-                <a:latin typeface="Courier New" pitchFamily="49" charset="0"/>
-                <a:cs typeface="Courier New" pitchFamily="49" charset="0"/>
-              </a:rPr>
-              <a:t>entre 0 e 10</a:t>
-            </a:r>
-            <a:r>
-              <a:rPr lang="pt-BR" sz="2400" b="1" dirty="0" smtClean="0">
-                <a:latin typeface="Courier New" pitchFamily="49" charset="0"/>
-                <a:cs typeface="Courier New" pitchFamily="49" charset="0"/>
-              </a:rPr>
-              <a:t>”)</a:t>
+              <a:t>	print (“Não está entre 0 e 10”)</a:t>
             </a:r>
             <a:endParaRPr lang="pt-BR" sz="2400" b="1" dirty="0">
               <a:latin typeface="Courier New" pitchFamily="49" charset="0"/>
@@ -5366,15 +5237,7 @@
           <a:p>
             <a:r>
               <a:rPr lang="pt-BR" dirty="0" smtClean="0"/>
-              <a:t>Escreva um script que</a:t>
-            </a:r>
-            <a:r>
-              <a:rPr lang="pt-BR" dirty="0" smtClean="0"/>
-              <a:t> , dada a entrada do usuário</a:t>
-            </a:r>
-            <a:r>
-              <a:rPr lang="pt-BR" dirty="0" smtClean="0"/>
-              <a:t>, verifique se o número é divisível por 3 e por 5</a:t>
+              <a:t>Escreva um script que , dada a entrada do usuário, verifique se o número é divisível por 3 e por 5</a:t>
             </a:r>
           </a:p>
           <a:p>
@@ -5486,15 +5349,7 @@
           <a:p>
             <a:r>
               <a:rPr lang="pt-BR" dirty="0" smtClean="0"/>
-              <a:t>Escreva </a:t>
-            </a:r>
-            <a:r>
-              <a:rPr lang="pt-BR" dirty="0" smtClean="0"/>
-              <a:t>um script que imprima a </a:t>
-            </a:r>
-            <a:r>
-              <a:rPr lang="pt-BR" dirty="0" smtClean="0"/>
-              <a:t>tabuada de 2 no seguinte formato:</a:t>
+              <a:t>Escreva um script que imprima a tabuada de 2 no seguinte formato:</a:t>
             </a:r>
           </a:p>
           <a:p>
@@ -5524,7 +5379,6 @@
               <a:rPr lang="pt-BR" dirty="0" smtClean="0"/>
               <a:t>10x 2 = 20</a:t>
             </a:r>
-            <a:endParaRPr lang="pt-BR" dirty="0" smtClean="0"/>
           </a:p>
           <a:p>
             <a:pPr lvl="1"/>
@@ -5696,24 +5550,16 @@
             </a:pPr>
             <a:r>
               <a:rPr lang="pt-BR" dirty="0" smtClean="0"/>
-              <a:t>	</a:t>
-            </a:r>
+              <a:t>	&lt;comando1&gt;</a:t>
+            </a:r>
+          </a:p>
+          <a:p>
+            <a:pPr lvl="1">
+              <a:buNone/>
+            </a:pPr>
             <a:r>
               <a:rPr lang="pt-BR" dirty="0" smtClean="0"/>
-              <a:t>&lt;comando1&gt;</a:t>
-            </a:r>
-          </a:p>
-          <a:p>
-            <a:pPr lvl="1">
-              <a:buNone/>
-            </a:pPr>
-            <a:r>
-              <a:rPr lang="pt-BR" dirty="0" smtClean="0"/>
-              <a:t>	&lt;</a:t>
-            </a:r>
-            <a:r>
-              <a:rPr lang="pt-BR" dirty="0" smtClean="0"/>
-              <a:t>comando2&gt;</a:t>
+              <a:t>	&lt;comando2&gt;</a:t>
             </a:r>
           </a:p>
           <a:p>
@@ -5724,7 +5570,6 @@
               <a:rPr lang="pt-BR" dirty="0" smtClean="0"/>
               <a:t>&lt;comandos independentes do laço&gt;</a:t>
             </a:r>
-            <a:endParaRPr lang="pt-BR" dirty="0" smtClean="0"/>
           </a:p>
           <a:p>
             <a:pPr lvl="1">
@@ -5980,31 +5825,7 @@
                 <a:latin typeface="Courier New" pitchFamily="49" charset="0"/>
                 <a:cs typeface="Courier New" pitchFamily="49" charset="0"/>
               </a:rPr>
-              <a:t># faça alguma </a:t>
-            </a:r>
-            <a:r>
-              <a:rPr lang="pt-BR" sz="2000" b="1" dirty="0" smtClean="0">
-                <a:solidFill>
-                  <a:schemeClr val="accent3">
-                    <a:lumMod val="75000"/>
-                  </a:schemeClr>
-                </a:solidFill>
-                <a:latin typeface="Courier New" pitchFamily="49" charset="0"/>
-                <a:cs typeface="Courier New" pitchFamily="49" charset="0"/>
-              </a:rPr>
-              <a:t>coisa, </a:t>
-            </a:r>
-            <a:r>
-              <a:rPr lang="pt-BR" sz="2000" b="1" dirty="0" smtClean="0">
-                <a:solidFill>
-                  <a:schemeClr val="accent3">
-                    <a:lumMod val="75000"/>
-                  </a:schemeClr>
-                </a:solidFill>
-                <a:latin typeface="Courier New" pitchFamily="49" charset="0"/>
-                <a:cs typeface="Courier New" pitchFamily="49" charset="0"/>
-              </a:rPr>
-              <a:t>imprima cont</a:t>
+              <a:t># faça alguma coisa, imprima cont</a:t>
             </a:r>
           </a:p>
           <a:p>
@@ -6064,19 +5885,7 @@
                 <a:latin typeface="Courier New" pitchFamily="49" charset="0"/>
                 <a:cs typeface="Courier New" pitchFamily="49" charset="0"/>
               </a:rPr>
-              <a:t># atualizada para garantir o </a:t>
-            </a:r>
-            <a:r>
-              <a:rPr lang="pt-BR" sz="2000" b="1" dirty="0" smtClean="0">
-                <a:solidFill>
-                  <a:schemeClr val="accent3">
-                    <a:lumMod val="75000"/>
-                  </a:schemeClr>
-                </a:solidFill>
-                <a:latin typeface="Courier New" pitchFamily="49" charset="0"/>
-                <a:cs typeface="Courier New" pitchFamily="49" charset="0"/>
-              </a:rPr>
-              <a:t>fim</a:t>
+              <a:t># atualizada para garantir o fim</a:t>
             </a:r>
             <a:endParaRPr lang="pt-BR" sz="2000" b="1" dirty="0">
               <a:solidFill>
@@ -6221,30 +6030,16 @@
                 <a:latin typeface="Courier New" pitchFamily="49" charset="0"/>
                 <a:cs typeface="Courier New" pitchFamily="49" charset="0"/>
               </a:rPr>
-              <a:t>	</a:t>
-            </a:r>
+              <a:t>	valor = int(input (“Digite o valor:  ”))</a:t>
+            </a:r>
+          </a:p>
+          <a:p>
             <a:r>
               <a:rPr lang="pt-BR" sz="2400" b="1" dirty="0" smtClean="0">
                 <a:latin typeface="Courier New" pitchFamily="49" charset="0"/>
                 <a:cs typeface="Courier New" pitchFamily="49" charset="0"/>
               </a:rPr>
-              <a:t>valor = int(input (“Digite o valor:  ”))</a:t>
-            </a:r>
-          </a:p>
-          <a:p>
-            <a:r>
-              <a:rPr lang="pt-BR" sz="2400" b="1" dirty="0" smtClean="0">
-                <a:latin typeface="Courier New" pitchFamily="49" charset="0"/>
-                <a:cs typeface="Courier New" pitchFamily="49" charset="0"/>
-              </a:rPr>
-              <a:t>	</a:t>
-            </a:r>
-            <a:r>
-              <a:rPr lang="pt-BR" sz="2400" b="1" dirty="0" smtClean="0">
-                <a:latin typeface="Courier New" pitchFamily="49" charset="0"/>
-                <a:cs typeface="Courier New" pitchFamily="49" charset="0"/>
-              </a:rPr>
-              <a:t>sum = sum + valor</a:t>
+              <a:t>	sum = sum + valor</a:t>
             </a:r>
           </a:p>
           <a:p>
